--- a/Meal Crafter.pptx
+++ b/Meal Crafter.pptx
@@ -1457,7 +1457,7 @@
           <a:noFill/>
           <a:extLst>
             <a:ext uri="{909E8E84-426E-40dd-AFC4-6F175D3DCCD1}">
-              <a14:hiddenFill xmlns="" xmlns:a14="http://schemas.microsoft.com/office/drawing/2010/main">
+              <a14:hiddenFill xmlns:a14="http://schemas.microsoft.com/office/drawing/2010/main" xmlns="">
                 <a:solidFill>
                   <a:srgbClr val="FFFFFF"/>
                 </a:solidFill>
@@ -1517,7 +1517,7 @@
             </a:ln>
             <a:extLst>
               <a:ext uri="{91240B29-F687-4f45-9708-019B960494DF}">
-                <a14:hiddenLine xmlns="" xmlns:a14="http://schemas.microsoft.com/office/drawing/2010/main" w="9525">
+                <a14:hiddenLine xmlns:a14="http://schemas.microsoft.com/office/drawing/2010/main" xmlns="" w="9525">
                   <a:solidFill>
                     <a:srgbClr val="000000"/>
                   </a:solidFill>
@@ -1607,7 +1607,7 @@
             </a:ln>
             <a:extLst>
               <a:ext uri="{91240B29-F687-4f45-9708-019B960494DF}">
-                <a14:hiddenLine xmlns="" xmlns:a14="http://schemas.microsoft.com/office/drawing/2010/main" w="9525">
+                <a14:hiddenLine xmlns:a14="http://schemas.microsoft.com/office/drawing/2010/main" xmlns="" w="9525">
                   <a:solidFill>
                     <a:srgbClr val="000000"/>
                   </a:solidFill>
@@ -1697,7 +1697,7 @@
             </a:ln>
             <a:extLst>
               <a:ext uri="{91240B29-F687-4f45-9708-019B960494DF}">
-                <a14:hiddenLine xmlns="" xmlns:a14="http://schemas.microsoft.com/office/drawing/2010/main" w="9525">
+                <a14:hiddenLine xmlns:a14="http://schemas.microsoft.com/office/drawing/2010/main" xmlns="" w="9525">
                   <a:solidFill>
                     <a:srgbClr val="000000"/>
                   </a:solidFill>
@@ -1731,7 +1731,7 @@
             </a:ln>
             <a:extLst>
               <a:ext uri="{91240B29-F687-4f45-9708-019B960494DF}">
-                <a14:hiddenLine xmlns="" xmlns:a14="http://schemas.microsoft.com/office/drawing/2010/main" w="9525">
+                <a14:hiddenLine xmlns:a14="http://schemas.microsoft.com/office/drawing/2010/main" xmlns="" w="9525">
                   <a:solidFill>
                     <a:srgbClr val="000000"/>
                   </a:solidFill>
@@ -1821,7 +1821,7 @@
             </a:ln>
             <a:extLst>
               <a:ext uri="{91240B29-F687-4f45-9708-019B960494DF}">
-                <a14:hiddenLine xmlns="" xmlns:a14="http://schemas.microsoft.com/office/drawing/2010/main" w="9525">
+                <a14:hiddenLine xmlns:a14="http://schemas.microsoft.com/office/drawing/2010/main" xmlns="" w="9525">
                   <a:solidFill>
                     <a:srgbClr val="000000"/>
                   </a:solidFill>
@@ -1883,7 +1883,7 @@
             </a:ln>
             <a:extLst>
               <a:ext uri="{91240B29-F687-4f45-9708-019B960494DF}">
-                <a14:hiddenLine xmlns="" xmlns:a14="http://schemas.microsoft.com/office/drawing/2010/main" w="9525">
+                <a14:hiddenLine xmlns:a14="http://schemas.microsoft.com/office/drawing/2010/main" xmlns="" w="9525">
                   <a:solidFill>
                     <a:srgbClr val="000000"/>
                   </a:solidFill>
@@ -1945,7 +1945,7 @@
             </a:ln>
             <a:extLst>
               <a:ext uri="{91240B29-F687-4f45-9708-019B960494DF}">
-                <a14:hiddenLine xmlns="" xmlns:a14="http://schemas.microsoft.com/office/drawing/2010/main" w="9525">
+                <a14:hiddenLine xmlns:a14="http://schemas.microsoft.com/office/drawing/2010/main" xmlns="" w="9525">
                   <a:solidFill>
                     <a:srgbClr val="000000"/>
                   </a:solidFill>
@@ -2035,7 +2035,7 @@
             </a:ln>
             <a:extLst>
               <a:ext uri="{91240B29-F687-4f45-9708-019B960494DF}">
-                <a14:hiddenLine xmlns="" xmlns:a14="http://schemas.microsoft.com/office/drawing/2010/main" w="9525">
+                <a14:hiddenLine xmlns:a14="http://schemas.microsoft.com/office/drawing/2010/main" xmlns="" w="9525">
                   <a:solidFill>
                     <a:srgbClr val="000000"/>
                   </a:solidFill>
@@ -2097,7 +2097,7 @@
             </a:ln>
             <a:extLst>
               <a:ext uri="{91240B29-F687-4f45-9708-019B960494DF}">
-                <a14:hiddenLine xmlns="" xmlns:a14="http://schemas.microsoft.com/office/drawing/2010/main" w="9525">
+                <a14:hiddenLine xmlns:a14="http://schemas.microsoft.com/office/drawing/2010/main" xmlns="" w="9525">
                   <a:solidFill>
                     <a:srgbClr val="000000"/>
                   </a:solidFill>
@@ -2159,7 +2159,7 @@
             </a:ln>
             <a:extLst>
               <a:ext uri="{91240B29-F687-4f45-9708-019B960494DF}">
-                <a14:hiddenLine xmlns="" xmlns:a14="http://schemas.microsoft.com/office/drawing/2010/main" w="9525">
+                <a14:hiddenLine xmlns:a14="http://schemas.microsoft.com/office/drawing/2010/main" xmlns="" w="9525">
                   <a:solidFill>
                     <a:srgbClr val="000000"/>
                   </a:solidFill>
@@ -2249,7 +2249,7 @@
             </a:ln>
             <a:extLst>
               <a:ext uri="{91240B29-F687-4f45-9708-019B960494DF}">
-                <a14:hiddenLine xmlns="" xmlns:a14="http://schemas.microsoft.com/office/drawing/2010/main" w="9525">
+                <a14:hiddenLine xmlns:a14="http://schemas.microsoft.com/office/drawing/2010/main" xmlns="" w="9525">
                   <a:solidFill>
                     <a:srgbClr val="000000"/>
                   </a:solidFill>
@@ -2339,7 +2339,7 @@
             </a:ln>
             <a:extLst>
               <a:ext uri="{91240B29-F687-4f45-9708-019B960494DF}">
-                <a14:hiddenLine xmlns="" xmlns:a14="http://schemas.microsoft.com/office/drawing/2010/main" w="9525">
+                <a14:hiddenLine xmlns:a14="http://schemas.microsoft.com/office/drawing/2010/main" xmlns="" w="9525">
                   <a:solidFill>
                     <a:srgbClr val="000000"/>
                   </a:solidFill>
@@ -2401,7 +2401,7 @@
             </a:ln>
             <a:extLst>
               <a:ext uri="{91240B29-F687-4f45-9708-019B960494DF}">
-                <a14:hiddenLine xmlns="" xmlns:a14="http://schemas.microsoft.com/office/drawing/2010/main" w="9525">
+                <a14:hiddenLine xmlns:a14="http://schemas.microsoft.com/office/drawing/2010/main" xmlns="" w="9525">
                   <a:solidFill>
                     <a:srgbClr val="000000"/>
                   </a:solidFill>
@@ -2511,7 +2511,7 @@
             </a:ln>
             <a:extLst>
               <a:ext uri="{91240B29-F687-4f45-9708-019B960494DF}">
-                <a14:hiddenLine xmlns="" xmlns:a14="http://schemas.microsoft.com/office/drawing/2010/main" w="9525">
+                <a14:hiddenLine xmlns:a14="http://schemas.microsoft.com/office/drawing/2010/main" xmlns="" w="9525">
                   <a:solidFill>
                     <a:srgbClr val="000000"/>
                   </a:solidFill>
@@ -2573,7 +2573,7 @@
             </a:ln>
             <a:extLst>
               <a:ext uri="{91240B29-F687-4f45-9708-019B960494DF}">
-                <a14:hiddenLine xmlns="" xmlns:a14="http://schemas.microsoft.com/office/drawing/2010/main" w="9525">
+                <a14:hiddenLine xmlns:a14="http://schemas.microsoft.com/office/drawing/2010/main" xmlns="" w="9525">
                   <a:solidFill>
                     <a:srgbClr val="000000"/>
                   </a:solidFill>
@@ -2663,7 +2663,7 @@
             </a:ln>
             <a:extLst>
               <a:ext uri="{91240B29-F687-4f45-9708-019B960494DF}">
-                <a14:hiddenLine xmlns="" xmlns:a14="http://schemas.microsoft.com/office/drawing/2010/main" w="9525">
+                <a14:hiddenLine xmlns:a14="http://schemas.microsoft.com/office/drawing/2010/main" xmlns="" w="9525">
                   <a:solidFill>
                     <a:srgbClr val="000000"/>
                   </a:solidFill>
@@ -2753,7 +2753,7 @@
             </a:ln>
             <a:extLst>
               <a:ext uri="{91240B29-F687-4f45-9708-019B960494DF}">
-                <a14:hiddenLine xmlns="" xmlns:a14="http://schemas.microsoft.com/office/drawing/2010/main" w="9525">
+                <a14:hiddenLine xmlns:a14="http://schemas.microsoft.com/office/drawing/2010/main" xmlns="" w="9525">
                   <a:solidFill>
                     <a:srgbClr val="000000"/>
                   </a:solidFill>
@@ -2815,7 +2815,7 @@
             </a:ln>
             <a:extLst>
               <a:ext uri="{91240B29-F687-4f45-9708-019B960494DF}">
-                <a14:hiddenLine xmlns="" xmlns:a14="http://schemas.microsoft.com/office/drawing/2010/main" w="9525">
+                <a14:hiddenLine xmlns:a14="http://schemas.microsoft.com/office/drawing/2010/main" xmlns="" w="9525">
                   <a:solidFill>
                     <a:srgbClr val="000000"/>
                   </a:solidFill>
@@ -2905,7 +2905,7 @@
             </a:ln>
             <a:extLst>
               <a:ext uri="{91240B29-F687-4f45-9708-019B960494DF}">
-                <a14:hiddenLine xmlns="" xmlns:a14="http://schemas.microsoft.com/office/drawing/2010/main" w="9525">
+                <a14:hiddenLine xmlns:a14="http://schemas.microsoft.com/office/drawing/2010/main" xmlns="" w="9525">
                   <a:solidFill>
                     <a:srgbClr val="000000"/>
                   </a:solidFill>
@@ -2995,7 +2995,7 @@
             </a:ln>
             <a:extLst>
               <a:ext uri="{91240B29-F687-4f45-9708-019B960494DF}">
-                <a14:hiddenLine xmlns="" xmlns:a14="http://schemas.microsoft.com/office/drawing/2010/main" w="9525">
+                <a14:hiddenLine xmlns:a14="http://schemas.microsoft.com/office/drawing/2010/main" xmlns="" w="9525">
                   <a:solidFill>
                     <a:srgbClr val="000000"/>
                   </a:solidFill>
@@ -3051,7 +3051,7 @@
             </a:ln>
             <a:extLst>
               <a:ext uri="{91240B29-F687-4f45-9708-019B960494DF}">
-                <a14:hiddenLine xmlns="" xmlns:a14="http://schemas.microsoft.com/office/drawing/2010/main" w="9525">
+                <a14:hiddenLine xmlns:a14="http://schemas.microsoft.com/office/drawing/2010/main" xmlns="" w="9525">
                   <a:solidFill>
                     <a:srgbClr val="000000"/>
                   </a:solidFill>
@@ -3141,7 +3141,7 @@
             </a:ln>
             <a:extLst>
               <a:ext uri="{91240B29-F687-4f45-9708-019B960494DF}">
-                <a14:hiddenLine xmlns="" xmlns:a14="http://schemas.microsoft.com/office/drawing/2010/main" w="9525">
+                <a14:hiddenLine xmlns:a14="http://schemas.microsoft.com/office/drawing/2010/main" xmlns="" w="9525">
                   <a:solidFill>
                     <a:srgbClr val="000000"/>
                   </a:solidFill>
@@ -3197,7 +3197,7 @@
             </a:ln>
             <a:extLst>
               <a:ext uri="{91240B29-F687-4f45-9708-019B960494DF}">
-                <a14:hiddenLine xmlns="" xmlns:a14="http://schemas.microsoft.com/office/drawing/2010/main" w="9525">
+                <a14:hiddenLine xmlns:a14="http://schemas.microsoft.com/office/drawing/2010/main" xmlns="" w="9525">
                   <a:solidFill>
                     <a:srgbClr val="000000"/>
                   </a:solidFill>
@@ -3287,7 +3287,7 @@
             </a:ln>
             <a:extLst>
               <a:ext uri="{91240B29-F687-4f45-9708-019B960494DF}">
-                <a14:hiddenLine xmlns="" xmlns:a14="http://schemas.microsoft.com/office/drawing/2010/main" w="9525">
+                <a14:hiddenLine xmlns:a14="http://schemas.microsoft.com/office/drawing/2010/main" xmlns="" w="9525">
                   <a:solidFill>
                     <a:srgbClr val="000000"/>
                   </a:solidFill>
@@ -3355,7 +3355,7 @@
             </a:ln>
             <a:extLst>
               <a:ext uri="{91240B29-F687-4f45-9708-019B960494DF}">
-                <a14:hiddenLine xmlns="" xmlns:a14="http://schemas.microsoft.com/office/drawing/2010/main" w="9525">
+                <a14:hiddenLine xmlns:a14="http://schemas.microsoft.com/office/drawing/2010/main" xmlns="" w="9525">
                   <a:solidFill>
                     <a:srgbClr val="000000"/>
                   </a:solidFill>
@@ -3445,7 +3445,7 @@
             </a:ln>
             <a:extLst>
               <a:ext uri="{91240B29-F687-4f45-9708-019B960494DF}">
-                <a14:hiddenLine xmlns="" xmlns:a14="http://schemas.microsoft.com/office/drawing/2010/main" w="9525">
+                <a14:hiddenLine xmlns:a14="http://schemas.microsoft.com/office/drawing/2010/main" xmlns="" w="9525">
                   <a:solidFill>
                     <a:srgbClr val="000000"/>
                   </a:solidFill>
@@ -3513,7 +3513,7 @@
             </a:ln>
             <a:extLst>
               <a:ext uri="{91240B29-F687-4f45-9708-019B960494DF}">
-                <a14:hiddenLine xmlns="" xmlns:a14="http://schemas.microsoft.com/office/drawing/2010/main" w="9525">
+                <a14:hiddenLine xmlns:a14="http://schemas.microsoft.com/office/drawing/2010/main" xmlns="" w="9525">
                   <a:solidFill>
                     <a:srgbClr val="000000"/>
                   </a:solidFill>
@@ -3603,7 +3603,7 @@
             </a:ln>
             <a:extLst>
               <a:ext uri="{91240B29-F687-4f45-9708-019B960494DF}">
-                <a14:hiddenLine xmlns="" xmlns:a14="http://schemas.microsoft.com/office/drawing/2010/main" w="9525">
+                <a14:hiddenLine xmlns:a14="http://schemas.microsoft.com/office/drawing/2010/main" xmlns="" w="9525">
                   <a:solidFill>
                     <a:srgbClr val="000000"/>
                   </a:solidFill>
@@ -3637,7 +3637,7 @@
             </a:ln>
             <a:extLst>
               <a:ext uri="{91240B29-F687-4f45-9708-019B960494DF}">
-                <a14:hiddenLine xmlns="" xmlns:a14="http://schemas.microsoft.com/office/drawing/2010/main" w="9525">
+                <a14:hiddenLine xmlns:a14="http://schemas.microsoft.com/office/drawing/2010/main" xmlns="" w="9525">
                   <a:solidFill>
                     <a:srgbClr val="000000"/>
                   </a:solidFill>
@@ -3727,7 +3727,7 @@
             </a:ln>
             <a:extLst>
               <a:ext uri="{91240B29-F687-4f45-9708-019B960494DF}">
-                <a14:hiddenLine xmlns="" xmlns:a14="http://schemas.microsoft.com/office/drawing/2010/main" w="9525">
+                <a14:hiddenLine xmlns:a14="http://schemas.microsoft.com/office/drawing/2010/main" xmlns="" w="9525">
                   <a:solidFill>
                     <a:srgbClr val="000000"/>
                   </a:solidFill>
@@ -3789,7 +3789,7 @@
             </a:ln>
             <a:extLst>
               <a:ext uri="{91240B29-F687-4f45-9708-019B960494DF}">
-                <a14:hiddenLine xmlns="" xmlns:a14="http://schemas.microsoft.com/office/drawing/2010/main" w="9525">
+                <a14:hiddenLine xmlns:a14="http://schemas.microsoft.com/office/drawing/2010/main" xmlns="" w="9525">
                   <a:solidFill>
                     <a:srgbClr val="000000"/>
                   </a:solidFill>
@@ -3851,7 +3851,7 @@
             </a:ln>
             <a:extLst>
               <a:ext uri="{91240B29-F687-4f45-9708-019B960494DF}">
-                <a14:hiddenLine xmlns="" xmlns:a14="http://schemas.microsoft.com/office/drawing/2010/main" w="9525">
+                <a14:hiddenLine xmlns:a14="http://schemas.microsoft.com/office/drawing/2010/main" xmlns="" w="9525">
                   <a:solidFill>
                     <a:srgbClr val="000000"/>
                   </a:solidFill>
@@ -3941,7 +3941,7 @@
             </a:ln>
             <a:extLst>
               <a:ext uri="{91240B29-F687-4f45-9708-019B960494DF}">
-                <a14:hiddenLine xmlns="" xmlns:a14="http://schemas.microsoft.com/office/drawing/2010/main" w="9525">
+                <a14:hiddenLine xmlns:a14="http://schemas.microsoft.com/office/drawing/2010/main" xmlns="" w="9525">
                   <a:solidFill>
                     <a:srgbClr val="000000"/>
                   </a:solidFill>
@@ -4009,7 +4009,7 @@
             </a:ln>
             <a:extLst>
               <a:ext uri="{91240B29-F687-4f45-9708-019B960494DF}">
-                <a14:hiddenLine xmlns="" xmlns:a14="http://schemas.microsoft.com/office/drawing/2010/main" w="9525">
+                <a14:hiddenLine xmlns:a14="http://schemas.microsoft.com/office/drawing/2010/main" xmlns="" w="9525">
                   <a:solidFill>
                     <a:srgbClr val="000000"/>
                   </a:solidFill>
@@ -4071,7 +4071,7 @@
             </a:ln>
             <a:extLst>
               <a:ext uri="{91240B29-F687-4f45-9708-019B960494DF}">
-                <a14:hiddenLine xmlns="" xmlns:a14="http://schemas.microsoft.com/office/drawing/2010/main" w="9525">
+                <a14:hiddenLine xmlns:a14="http://schemas.microsoft.com/office/drawing/2010/main" xmlns="" w="9525">
                   <a:solidFill>
                     <a:srgbClr val="000000"/>
                   </a:solidFill>
@@ -4161,7 +4161,7 @@
             </a:ln>
             <a:extLst>
               <a:ext uri="{91240B29-F687-4f45-9708-019B960494DF}">
-                <a14:hiddenLine xmlns="" xmlns:a14="http://schemas.microsoft.com/office/drawing/2010/main" w="9525">
+                <a14:hiddenLine xmlns:a14="http://schemas.microsoft.com/office/drawing/2010/main" xmlns="" w="9525">
                   <a:solidFill>
                     <a:srgbClr val="000000"/>
                   </a:solidFill>
@@ -4223,7 +4223,7 @@
             </a:ln>
             <a:extLst>
               <a:ext uri="{91240B29-F687-4f45-9708-019B960494DF}">
-                <a14:hiddenLine xmlns="" xmlns:a14="http://schemas.microsoft.com/office/drawing/2010/main" w="9525">
+                <a14:hiddenLine xmlns:a14="http://schemas.microsoft.com/office/drawing/2010/main" xmlns="" w="9525">
                   <a:solidFill>
                     <a:srgbClr val="000000"/>
                   </a:solidFill>
@@ -4313,7 +4313,7 @@
             </a:ln>
             <a:extLst>
               <a:ext uri="{91240B29-F687-4f45-9708-019B960494DF}">
-                <a14:hiddenLine xmlns="" xmlns:a14="http://schemas.microsoft.com/office/drawing/2010/main" w="9525">
+                <a14:hiddenLine xmlns:a14="http://schemas.microsoft.com/office/drawing/2010/main" xmlns="" w="9525">
                   <a:solidFill>
                     <a:srgbClr val="000000"/>
                   </a:solidFill>
@@ -4375,7 +4375,7 @@
             </a:ln>
             <a:extLst>
               <a:ext uri="{91240B29-F687-4f45-9708-019B960494DF}">
-                <a14:hiddenLine xmlns="" xmlns:a14="http://schemas.microsoft.com/office/drawing/2010/main" w="9525">
+                <a14:hiddenLine xmlns:a14="http://schemas.microsoft.com/office/drawing/2010/main" xmlns="" w="9525">
                   <a:solidFill>
                     <a:srgbClr val="000000"/>
                   </a:solidFill>
@@ -4465,7 +4465,7 @@
             </a:ln>
             <a:extLst>
               <a:ext uri="{91240B29-F687-4f45-9708-019B960494DF}">
-                <a14:hiddenLine xmlns="" xmlns:a14="http://schemas.microsoft.com/office/drawing/2010/main" w="9525">
+                <a14:hiddenLine xmlns:a14="http://schemas.microsoft.com/office/drawing/2010/main" xmlns="" w="9525">
                   <a:solidFill>
                     <a:srgbClr val="000000"/>
                   </a:solidFill>
@@ -4499,7 +4499,7 @@
             </a:ln>
             <a:extLst>
               <a:ext uri="{91240B29-F687-4f45-9708-019B960494DF}">
-                <a14:hiddenLine xmlns="" xmlns:a14="http://schemas.microsoft.com/office/drawing/2010/main" w="9525">
+                <a14:hiddenLine xmlns:a14="http://schemas.microsoft.com/office/drawing/2010/main" xmlns="" w="9525">
                   <a:solidFill>
                     <a:srgbClr val="000000"/>
                   </a:solidFill>
@@ -4564,7 +4564,7 @@
             </a:ln>
             <a:extLst>
               <a:ext uri="{91240B29-F687-4f45-9708-019B960494DF}">
-                <a14:hiddenLine xmlns="" xmlns:a14="http://schemas.microsoft.com/office/drawing/2010/main" w="9525">
+                <a14:hiddenLine xmlns:a14="http://schemas.microsoft.com/office/drawing/2010/main" xmlns="" w="9525">
                   <a:solidFill>
                     <a:srgbClr val="000000"/>
                   </a:solidFill>
@@ -4654,7 +4654,7 @@
             </a:ln>
             <a:extLst>
               <a:ext uri="{91240B29-F687-4f45-9708-019B960494DF}">
-                <a14:hiddenLine xmlns="" xmlns:a14="http://schemas.microsoft.com/office/drawing/2010/main" w="9525">
+                <a14:hiddenLine xmlns:a14="http://schemas.microsoft.com/office/drawing/2010/main" xmlns="" w="9525">
                   <a:solidFill>
                     <a:srgbClr val="000000"/>
                   </a:solidFill>
@@ -4716,7 +4716,7 @@
             </a:ln>
             <a:extLst>
               <a:ext uri="{91240B29-F687-4f45-9708-019B960494DF}">
-                <a14:hiddenLine xmlns="" xmlns:a14="http://schemas.microsoft.com/office/drawing/2010/main" w="9525">
+                <a14:hiddenLine xmlns:a14="http://schemas.microsoft.com/office/drawing/2010/main" xmlns="" w="9525">
                   <a:solidFill>
                     <a:srgbClr val="000000"/>
                   </a:solidFill>
@@ -4806,7 +4806,7 @@
             </a:ln>
             <a:extLst>
               <a:ext uri="{91240B29-F687-4f45-9708-019B960494DF}">
-                <a14:hiddenLine xmlns="" xmlns:a14="http://schemas.microsoft.com/office/drawing/2010/main" w="9525">
+                <a14:hiddenLine xmlns:a14="http://schemas.microsoft.com/office/drawing/2010/main" xmlns="" w="9525">
                   <a:solidFill>
                     <a:srgbClr val="000000"/>
                   </a:solidFill>
@@ -4896,7 +4896,7 @@
             </a:ln>
             <a:extLst>
               <a:ext uri="{91240B29-F687-4f45-9708-019B960494DF}">
-                <a14:hiddenLine xmlns="" xmlns:a14="http://schemas.microsoft.com/office/drawing/2010/main" w="9525">
+                <a14:hiddenLine xmlns:a14="http://schemas.microsoft.com/office/drawing/2010/main" xmlns="" w="9525">
                   <a:solidFill>
                     <a:srgbClr val="000000"/>
                   </a:solidFill>
@@ -4961,7 +4961,7 @@
             </a:ln>
             <a:extLst>
               <a:ext uri="{91240B29-F687-4f45-9708-019B960494DF}">
-                <a14:hiddenLine xmlns="" xmlns:a14="http://schemas.microsoft.com/office/drawing/2010/main" w="9525">
+                <a14:hiddenLine xmlns:a14="http://schemas.microsoft.com/office/drawing/2010/main" xmlns="" w="9525">
                   <a:solidFill>
                     <a:srgbClr val="000000"/>
                   </a:solidFill>
@@ -5023,7 +5023,7 @@
             </a:ln>
             <a:extLst>
               <a:ext uri="{91240B29-F687-4f45-9708-019B960494DF}">
-                <a14:hiddenLine xmlns="" xmlns:a14="http://schemas.microsoft.com/office/drawing/2010/main" w="9525">
+                <a14:hiddenLine xmlns:a14="http://schemas.microsoft.com/office/drawing/2010/main" xmlns="" w="9525">
                   <a:solidFill>
                     <a:srgbClr val="000000"/>
                   </a:solidFill>
@@ -5113,7 +5113,7 @@
             </a:ln>
             <a:extLst>
               <a:ext uri="{91240B29-F687-4f45-9708-019B960494DF}">
-                <a14:hiddenLine xmlns="" xmlns:a14="http://schemas.microsoft.com/office/drawing/2010/main" w="9525">
+                <a14:hiddenLine xmlns:a14="http://schemas.microsoft.com/office/drawing/2010/main" xmlns="" w="9525">
                   <a:solidFill>
                     <a:srgbClr val="000000"/>
                   </a:solidFill>
@@ -5203,7 +5203,7 @@
             </a:ln>
             <a:extLst>
               <a:ext uri="{91240B29-F687-4f45-9708-019B960494DF}">
-                <a14:hiddenLine xmlns="" xmlns:a14="http://schemas.microsoft.com/office/drawing/2010/main" w="9525">
+                <a14:hiddenLine xmlns:a14="http://schemas.microsoft.com/office/drawing/2010/main" xmlns="" w="9525">
                   <a:solidFill>
                     <a:srgbClr val="000000"/>
                   </a:solidFill>
@@ -5265,7 +5265,7 @@
             </a:ln>
             <a:extLst>
               <a:ext uri="{91240B29-F687-4f45-9708-019B960494DF}">
-                <a14:hiddenLine xmlns="" xmlns:a14="http://schemas.microsoft.com/office/drawing/2010/main" w="9525">
+                <a14:hiddenLine xmlns:a14="http://schemas.microsoft.com/office/drawing/2010/main" xmlns="" w="9525">
                   <a:solidFill>
                     <a:srgbClr val="000000"/>
                   </a:solidFill>
@@ -5385,7 +5385,7 @@
             </a:ln>
             <a:extLst>
               <a:ext uri="{91240B29-F687-4f45-9708-019B960494DF}">
-                <a14:hiddenLine xmlns="" xmlns:a14="http://schemas.microsoft.com/office/drawing/2010/main" w="9525">
+                <a14:hiddenLine xmlns:a14="http://schemas.microsoft.com/office/drawing/2010/main" xmlns="" w="9525">
                   <a:solidFill>
                     <a:srgbClr val="000000"/>
                   </a:solidFill>
@@ -5453,7 +5453,7 @@
             </a:ln>
             <a:extLst>
               <a:ext uri="{91240B29-F687-4f45-9708-019B960494DF}">
-                <a14:hiddenLine xmlns="" xmlns:a14="http://schemas.microsoft.com/office/drawing/2010/main" w="9525">
+                <a14:hiddenLine xmlns:a14="http://schemas.microsoft.com/office/drawing/2010/main" xmlns="" w="9525">
                   <a:solidFill>
                     <a:srgbClr val="000000"/>
                   </a:solidFill>
@@ -5543,7 +5543,7 @@
             </a:ln>
             <a:extLst>
               <a:ext uri="{91240B29-F687-4f45-9708-019B960494DF}">
-                <a14:hiddenLine xmlns="" xmlns:a14="http://schemas.microsoft.com/office/drawing/2010/main" w="9525">
+                <a14:hiddenLine xmlns:a14="http://schemas.microsoft.com/office/drawing/2010/main" xmlns="" w="9525">
                   <a:solidFill>
                     <a:srgbClr val="000000"/>
                   </a:solidFill>
@@ -5684,7 +5684,7 @@
             <a:fld id="{B61BEF0D-F0BB-DE4B-95CE-6DB70DBA9567}" type="datetimeFigureOut">
               <a:rPr lang="en-US" smtClean="0"/>
               <a:pPr/>
-              <a:t>11/24/2021</a:t>
+              <a:t>11/24/21</a:t>
             </a:fld>
             <a:endParaRPr lang="en-US" dirty="0"/>
           </a:p>
@@ -5962,7 +5962,7 @@
             <a:fld id="{B61BEF0D-F0BB-DE4B-95CE-6DB70DBA9567}" type="datetimeFigureOut">
               <a:rPr lang="en-US" smtClean="0"/>
               <a:pPr/>
-              <a:t>11/24/2021</a:t>
+              <a:t>11/24/21</a:t>
             </a:fld>
             <a:endParaRPr lang="en-US" dirty="0"/>
           </a:p>
@@ -6169,7 +6169,7 @@
             <a:fld id="{B61BEF0D-F0BB-DE4B-95CE-6DB70DBA9567}" type="datetimeFigureOut">
               <a:rPr lang="en-US" smtClean="0"/>
               <a:pPr/>
-              <a:t>11/24/2021</a:t>
+              <a:t>11/24/21</a:t>
             </a:fld>
             <a:endParaRPr lang="en-US" dirty="0"/>
           </a:p>
@@ -6443,7 +6443,7 @@
             <a:fld id="{B61BEF0D-F0BB-DE4B-95CE-6DB70DBA9567}" type="datetimeFigureOut">
               <a:rPr lang="en-US" smtClean="0"/>
               <a:pPr/>
-              <a:t>11/24/2021</a:t>
+              <a:t>11/24/21</a:t>
             </a:fld>
             <a:endParaRPr lang="en-US" dirty="0"/>
           </a:p>
@@ -6888,7 +6888,7 @@
             <a:fld id="{B61BEF0D-F0BB-DE4B-95CE-6DB70DBA9567}" type="datetimeFigureOut">
               <a:rPr lang="en-US" smtClean="0"/>
               <a:pPr/>
-              <a:t>11/24/2021</a:t>
+              <a:t>11/24/21</a:t>
             </a:fld>
             <a:endParaRPr lang="en-US" dirty="0"/>
           </a:p>
@@ -7445,7 +7445,7 @@
             <a:fld id="{B61BEF0D-F0BB-DE4B-95CE-6DB70DBA9567}" type="datetimeFigureOut">
               <a:rPr lang="en-US" smtClean="0"/>
               <a:pPr/>
-              <a:t>11/24/2021</a:t>
+              <a:t>11/24/21</a:t>
             </a:fld>
             <a:endParaRPr lang="en-US" dirty="0"/>
           </a:p>
@@ -8176,7 +8176,7 @@
             <a:fld id="{B61BEF0D-F0BB-DE4B-95CE-6DB70DBA9567}" type="datetimeFigureOut">
               <a:rPr lang="en-US" smtClean="0"/>
               <a:pPr/>
-              <a:t>11/24/2021</a:t>
+              <a:t>11/24/21</a:t>
             </a:fld>
             <a:endParaRPr lang="en-US" dirty="0"/>
           </a:p>
@@ -8356,7 +8356,7 @@
           <a:p>
             <a:fld id="{55C6B4A9-1611-4792-9094-5F34BCA07E0B}" type="datetimeFigureOut">
               <a:rPr lang="en-US" smtClean="0"/>
-              <a:t>11/24/2021</a:t>
+              <a:t>11/24/21</a:t>
             </a:fld>
             <a:endParaRPr lang="en-US" dirty="0"/>
           </a:p>
@@ -8547,7 +8547,7 @@
             <a:fld id="{B61BEF0D-F0BB-DE4B-95CE-6DB70DBA9567}" type="datetimeFigureOut">
               <a:rPr lang="en-US" smtClean="0"/>
               <a:pPr/>
-              <a:t>11/24/2021</a:t>
+              <a:t>11/24/21</a:t>
             </a:fld>
             <a:endParaRPr lang="en-US" dirty="0"/>
           </a:p>
@@ -9333,7 +9333,7 @@
             <a:fld id="{B61BEF0D-F0BB-DE4B-95CE-6DB70DBA9567}" type="datetimeFigureOut">
               <a:rPr lang="en-US" smtClean="0"/>
               <a:pPr/>
-              <a:t>11/24/2021</a:t>
+              <a:t>11/24/21</a:t>
             </a:fld>
             <a:endParaRPr lang="en-US" dirty="0"/>
           </a:p>
@@ -9594,7 +9594,7 @@
             <a:fld id="{B61BEF0D-F0BB-DE4B-95CE-6DB70DBA9567}" type="datetimeFigureOut">
               <a:rPr lang="en-US" smtClean="0"/>
               <a:pPr/>
-              <a:t>11/24/2021</a:t>
+              <a:t>11/24/21</a:t>
             </a:fld>
             <a:endParaRPr lang="en-US" dirty="0"/>
           </a:p>
@@ -9836,7 +9836,7 @@
           <a:p>
             <a:fld id="{EB712588-04B1-427B-82EE-E8DB90309F08}" type="datetimeFigureOut">
               <a:rPr lang="en-US" smtClean="0"/>
-              <a:t>11/24/2021</a:t>
+              <a:t>11/24/21</a:t>
             </a:fld>
             <a:endParaRPr lang="en-US" dirty="0"/>
           </a:p>
@@ -10228,7 +10228,7 @@
             <a:fld id="{B61BEF0D-F0BB-DE4B-95CE-6DB70DBA9567}" type="datetimeFigureOut">
               <a:rPr lang="en-US" smtClean="0"/>
               <a:pPr/>
-              <a:t>11/24/2021</a:t>
+              <a:t>11/24/21</a:t>
             </a:fld>
             <a:endParaRPr lang="en-US" dirty="0"/>
           </a:p>
@@ -10357,7 +10357,7 @@
             <a:fld id="{B61BEF0D-F0BB-DE4B-95CE-6DB70DBA9567}" type="datetimeFigureOut">
               <a:rPr lang="en-US" smtClean="0"/>
               <a:pPr/>
-              <a:t>11/24/2021</a:t>
+              <a:t>11/24/21</a:t>
             </a:fld>
             <a:endParaRPr lang="en-US" dirty="0"/>
           </a:p>
@@ -10463,7 +10463,7 @@
             <a:fld id="{B61BEF0D-F0BB-DE4B-95CE-6DB70DBA9567}" type="datetimeFigureOut">
               <a:rPr lang="en-US" smtClean="0"/>
               <a:pPr/>
-              <a:t>11/24/2021</a:t>
+              <a:t>11/24/21</a:t>
             </a:fld>
             <a:endParaRPr lang="en-US" dirty="0"/>
           </a:p>
@@ -10721,7 +10721,7 @@
           <a:p>
             <a:fld id="{42A54C80-263E-416B-A8E0-580EDEADCBDC}" type="datetimeFigureOut">
               <a:rPr lang="en-US" smtClean="0"/>
-              <a:t>11/24/2021</a:t>
+              <a:t>11/24/21</a:t>
             </a:fld>
             <a:endParaRPr lang="en-US" dirty="0"/>
           </a:p>
@@ -11012,7 +11012,7 @@
             <a:fld id="{B61BEF0D-F0BB-DE4B-95CE-6DB70DBA9567}" type="datetimeFigureOut">
               <a:rPr lang="en-US" smtClean="0"/>
               <a:pPr/>
-              <a:t>11/24/2021</a:t>
+              <a:t>11/24/21</a:t>
             </a:fld>
             <a:endParaRPr lang="en-US" dirty="0"/>
           </a:p>
@@ -11155,7 +11155,7 @@
           <a:noFill/>
           <a:extLst>
             <a:ext uri="{909E8E84-426E-40dd-AFC4-6F175D3DCCD1}">
-              <a14:hiddenFill xmlns="" xmlns:a14="http://schemas.microsoft.com/office/drawing/2010/main">
+              <a14:hiddenFill xmlns:a14="http://schemas.microsoft.com/office/drawing/2010/main" xmlns="">
                 <a:solidFill>
                   <a:srgbClr val="FFFFFF"/>
                 </a:solidFill>
@@ -11229,7 +11229,7 @@
               </a:ln>
               <a:extLst>
                 <a:ext uri="{91240B29-F687-4f45-9708-019B960494DF}">
-                  <a14:hiddenLine xmlns="" xmlns:a14="http://schemas.microsoft.com/office/drawing/2010/main" w="9525">
+                  <a14:hiddenLine xmlns:a14="http://schemas.microsoft.com/office/drawing/2010/main" xmlns="" w="9525">
                     <a:solidFill>
                       <a:srgbClr val="000000"/>
                     </a:solidFill>
@@ -11319,7 +11319,7 @@
               </a:ln>
               <a:extLst>
                 <a:ext uri="{91240B29-F687-4f45-9708-019B960494DF}">
-                  <a14:hiddenLine xmlns="" xmlns:a14="http://schemas.microsoft.com/office/drawing/2010/main" w="9525">
+                  <a14:hiddenLine xmlns:a14="http://schemas.microsoft.com/office/drawing/2010/main" xmlns="" w="9525">
                     <a:solidFill>
                       <a:srgbClr val="000000"/>
                     </a:solidFill>
@@ -11409,7 +11409,7 @@
               </a:ln>
               <a:extLst>
                 <a:ext uri="{91240B29-F687-4f45-9708-019B960494DF}">
-                  <a14:hiddenLine xmlns="" xmlns:a14="http://schemas.microsoft.com/office/drawing/2010/main" w="9525">
+                  <a14:hiddenLine xmlns:a14="http://schemas.microsoft.com/office/drawing/2010/main" xmlns="" w="9525">
                     <a:solidFill>
                       <a:srgbClr val="000000"/>
                     </a:solidFill>
@@ -11471,7 +11471,7 @@
               </a:ln>
               <a:extLst>
                 <a:ext uri="{91240B29-F687-4f45-9708-019B960494DF}">
-                  <a14:hiddenLine xmlns="" xmlns:a14="http://schemas.microsoft.com/office/drawing/2010/main" w="9525">
+                  <a14:hiddenLine xmlns:a14="http://schemas.microsoft.com/office/drawing/2010/main" xmlns="" w="9525">
                     <a:solidFill>
                       <a:srgbClr val="000000"/>
                     </a:solidFill>
@@ -11561,7 +11561,7 @@
               </a:ln>
               <a:extLst>
                 <a:ext uri="{91240B29-F687-4f45-9708-019B960494DF}">
-                  <a14:hiddenLine xmlns="" xmlns:a14="http://schemas.microsoft.com/office/drawing/2010/main" w="9525">
+                  <a14:hiddenLine xmlns:a14="http://schemas.microsoft.com/office/drawing/2010/main" xmlns="" w="9525">
                     <a:solidFill>
                       <a:srgbClr val="000000"/>
                     </a:solidFill>
@@ -11623,7 +11623,7 @@
               </a:ln>
               <a:extLst>
                 <a:ext uri="{91240B29-F687-4f45-9708-019B960494DF}">
-                  <a14:hiddenLine xmlns="" xmlns:a14="http://schemas.microsoft.com/office/drawing/2010/main" w="9525">
+                  <a14:hiddenLine xmlns:a14="http://schemas.microsoft.com/office/drawing/2010/main" xmlns="" w="9525">
                     <a:solidFill>
                       <a:srgbClr val="000000"/>
                     </a:solidFill>
@@ -11685,7 +11685,7 @@
               </a:ln>
               <a:extLst>
                 <a:ext uri="{91240B29-F687-4f45-9708-019B960494DF}">
-                  <a14:hiddenLine xmlns="" xmlns:a14="http://schemas.microsoft.com/office/drawing/2010/main" w="9525">
+                  <a14:hiddenLine xmlns:a14="http://schemas.microsoft.com/office/drawing/2010/main" xmlns="" w="9525">
                     <a:solidFill>
                       <a:srgbClr val="000000"/>
                     </a:solidFill>
@@ -11775,7 +11775,7 @@
               </a:ln>
               <a:extLst>
                 <a:ext uri="{91240B29-F687-4f45-9708-019B960494DF}">
-                  <a14:hiddenLine xmlns="" xmlns:a14="http://schemas.microsoft.com/office/drawing/2010/main" w="9525">
+                  <a14:hiddenLine xmlns:a14="http://schemas.microsoft.com/office/drawing/2010/main" xmlns="" w="9525">
                     <a:solidFill>
                       <a:srgbClr val="000000"/>
                     </a:solidFill>
@@ -11865,7 +11865,7 @@
               </a:ln>
               <a:extLst>
                 <a:ext uri="{91240B29-F687-4f45-9708-019B960494DF}">
-                  <a14:hiddenLine xmlns="" xmlns:a14="http://schemas.microsoft.com/office/drawing/2010/main" w="9525">
+                  <a14:hiddenLine xmlns:a14="http://schemas.microsoft.com/office/drawing/2010/main" xmlns="" w="9525">
                     <a:solidFill>
                       <a:srgbClr val="000000"/>
                     </a:solidFill>
@@ -11927,7 +11927,7 @@
               </a:ln>
               <a:extLst>
                 <a:ext uri="{91240B29-F687-4f45-9708-019B960494DF}">
-                  <a14:hiddenLine xmlns="" xmlns:a14="http://schemas.microsoft.com/office/drawing/2010/main" w="9525">
+                  <a14:hiddenLine xmlns:a14="http://schemas.microsoft.com/office/drawing/2010/main" xmlns="" w="9525">
                     <a:solidFill>
                       <a:srgbClr val="000000"/>
                     </a:solidFill>
@@ -12037,7 +12037,7 @@
               </a:ln>
               <a:extLst>
                 <a:ext uri="{91240B29-F687-4f45-9708-019B960494DF}">
-                  <a14:hiddenLine xmlns="" xmlns:a14="http://schemas.microsoft.com/office/drawing/2010/main" w="9525">
+                  <a14:hiddenLine xmlns:a14="http://schemas.microsoft.com/office/drawing/2010/main" xmlns="" w="9525">
                     <a:solidFill>
                       <a:srgbClr val="000000"/>
                     </a:solidFill>
@@ -12121,7 +12121,7 @@
               </a:ln>
               <a:extLst>
                 <a:ext uri="{91240B29-F687-4f45-9708-019B960494DF}">
-                  <a14:hiddenLine xmlns="" xmlns:a14="http://schemas.microsoft.com/office/drawing/2010/main" w="9525">
+                  <a14:hiddenLine xmlns:a14="http://schemas.microsoft.com/office/drawing/2010/main" xmlns="" w="9525">
                     <a:solidFill>
                       <a:srgbClr val="000000"/>
                     </a:solidFill>
@@ -12183,7 +12183,7 @@
               </a:ln>
               <a:extLst>
                 <a:ext uri="{91240B29-F687-4f45-9708-019B960494DF}">
-                  <a14:hiddenLine xmlns="" xmlns:a14="http://schemas.microsoft.com/office/drawing/2010/main" w="9525">
+                  <a14:hiddenLine xmlns:a14="http://schemas.microsoft.com/office/drawing/2010/main" xmlns="" w="9525">
                     <a:solidFill>
                       <a:srgbClr val="000000"/>
                     </a:solidFill>
@@ -12245,7 +12245,7 @@
               </a:ln>
               <a:extLst>
                 <a:ext uri="{91240B29-F687-4f45-9708-019B960494DF}">
-                  <a14:hiddenLine xmlns="" xmlns:a14="http://schemas.microsoft.com/office/drawing/2010/main" w="9525">
+                  <a14:hiddenLine xmlns:a14="http://schemas.microsoft.com/office/drawing/2010/main" xmlns="" w="9525">
                     <a:solidFill>
                       <a:srgbClr val="000000"/>
                     </a:solidFill>
@@ -12335,7 +12335,7 @@
               </a:ln>
               <a:extLst>
                 <a:ext uri="{91240B29-F687-4f45-9708-019B960494DF}">
-                  <a14:hiddenLine xmlns="" xmlns:a14="http://schemas.microsoft.com/office/drawing/2010/main" w="9525">
+                  <a14:hiddenLine xmlns:a14="http://schemas.microsoft.com/office/drawing/2010/main" xmlns="" w="9525">
                     <a:solidFill>
                       <a:srgbClr val="000000"/>
                     </a:solidFill>
@@ -12369,7 +12369,7 @@
               </a:ln>
               <a:extLst>
                 <a:ext uri="{91240B29-F687-4f45-9708-019B960494DF}">
-                  <a14:hiddenLine xmlns="" xmlns:a14="http://schemas.microsoft.com/office/drawing/2010/main" w="9525">
+                  <a14:hiddenLine xmlns:a14="http://schemas.microsoft.com/office/drawing/2010/main" xmlns="" w="9525">
                     <a:solidFill>
                       <a:srgbClr val="000000"/>
                     </a:solidFill>
@@ -12434,7 +12434,7 @@
               </a:ln>
               <a:extLst>
                 <a:ext uri="{91240B29-F687-4f45-9708-019B960494DF}">
-                  <a14:hiddenLine xmlns="" xmlns:a14="http://schemas.microsoft.com/office/drawing/2010/main" w="9525">
+                  <a14:hiddenLine xmlns:a14="http://schemas.microsoft.com/office/drawing/2010/main" xmlns="" w="9525">
                     <a:solidFill>
                       <a:srgbClr val="000000"/>
                     </a:solidFill>
@@ -12524,7 +12524,7 @@
               </a:ln>
               <a:extLst>
                 <a:ext uri="{91240B29-F687-4f45-9708-019B960494DF}">
-                  <a14:hiddenLine xmlns="" xmlns:a14="http://schemas.microsoft.com/office/drawing/2010/main" w="9525">
+                  <a14:hiddenLine xmlns:a14="http://schemas.microsoft.com/office/drawing/2010/main" xmlns="" w="9525">
                     <a:solidFill>
                       <a:srgbClr val="000000"/>
                     </a:solidFill>
@@ -12586,7 +12586,7 @@
               </a:ln>
               <a:extLst>
                 <a:ext uri="{91240B29-F687-4f45-9708-019B960494DF}">
-                  <a14:hiddenLine xmlns="" xmlns:a14="http://schemas.microsoft.com/office/drawing/2010/main" w="9525">
+                  <a14:hiddenLine xmlns:a14="http://schemas.microsoft.com/office/drawing/2010/main" xmlns="" w="9525">
                     <a:solidFill>
                       <a:srgbClr val="000000"/>
                     </a:solidFill>
@@ -12676,7 +12676,7 @@
               </a:ln>
               <a:extLst>
                 <a:ext uri="{91240B29-F687-4f45-9708-019B960494DF}">
-                  <a14:hiddenLine xmlns="" xmlns:a14="http://schemas.microsoft.com/office/drawing/2010/main" w="9525">
+                  <a14:hiddenLine xmlns:a14="http://schemas.microsoft.com/office/drawing/2010/main" xmlns="" w="9525">
                     <a:solidFill>
                       <a:srgbClr val="000000"/>
                     </a:solidFill>
@@ -12741,7 +12741,7 @@
               </a:ln>
               <a:extLst>
                 <a:ext uri="{91240B29-F687-4f45-9708-019B960494DF}">
-                  <a14:hiddenLine xmlns="" xmlns:a14="http://schemas.microsoft.com/office/drawing/2010/main" w="9525">
+                  <a14:hiddenLine xmlns:a14="http://schemas.microsoft.com/office/drawing/2010/main" xmlns="" w="9525">
                     <a:solidFill>
                       <a:srgbClr val="000000"/>
                     </a:solidFill>
@@ -12803,7 +12803,7 @@
               </a:ln>
               <a:extLst>
                 <a:ext uri="{91240B29-F687-4f45-9708-019B960494DF}">
-                  <a14:hiddenLine xmlns="" xmlns:a14="http://schemas.microsoft.com/office/drawing/2010/main" w="9525">
+                  <a14:hiddenLine xmlns:a14="http://schemas.microsoft.com/office/drawing/2010/main" xmlns="" w="9525">
                     <a:solidFill>
                       <a:srgbClr val="000000"/>
                     </a:solidFill>
@@ -12893,7 +12893,7 @@
               </a:ln>
               <a:extLst>
                 <a:ext uri="{91240B29-F687-4f45-9708-019B960494DF}">
-                  <a14:hiddenLine xmlns="" xmlns:a14="http://schemas.microsoft.com/office/drawing/2010/main" w="9525">
+                  <a14:hiddenLine xmlns:a14="http://schemas.microsoft.com/office/drawing/2010/main" xmlns="" w="9525">
                     <a:solidFill>
                       <a:srgbClr val="000000"/>
                     </a:solidFill>
@@ -12983,7 +12983,7 @@
               </a:ln>
               <a:extLst>
                 <a:ext uri="{91240B29-F687-4f45-9708-019B960494DF}">
-                  <a14:hiddenLine xmlns="" xmlns:a14="http://schemas.microsoft.com/office/drawing/2010/main" w="9525">
+                  <a14:hiddenLine xmlns:a14="http://schemas.microsoft.com/office/drawing/2010/main" xmlns="" w="9525">
                     <a:solidFill>
                       <a:srgbClr val="000000"/>
                     </a:solidFill>
@@ -13048,7 +13048,7 @@
               </a:ln>
               <a:extLst>
                 <a:ext uri="{91240B29-F687-4f45-9708-019B960494DF}">
-                  <a14:hiddenLine xmlns="" xmlns:a14="http://schemas.microsoft.com/office/drawing/2010/main" w="9525">
+                  <a14:hiddenLine xmlns:a14="http://schemas.microsoft.com/office/drawing/2010/main" xmlns="" w="9525">
                     <a:solidFill>
                       <a:srgbClr val="000000"/>
                     </a:solidFill>
@@ -13168,7 +13168,7 @@
               </a:ln>
               <a:extLst>
                 <a:ext uri="{91240B29-F687-4f45-9708-019B960494DF}">
-                  <a14:hiddenLine xmlns="" xmlns:a14="http://schemas.microsoft.com/office/drawing/2010/main" w="9525">
+                  <a14:hiddenLine xmlns:a14="http://schemas.microsoft.com/office/drawing/2010/main" xmlns="" w="9525">
                     <a:solidFill>
                       <a:srgbClr val="000000"/>
                     </a:solidFill>
@@ -13266,7 +13266,7 @@
               </a:ln>
               <a:extLst>
                 <a:ext uri="{91240B29-F687-4f45-9708-019B960494DF}">
-                  <a14:hiddenLine xmlns="" xmlns:a14="http://schemas.microsoft.com/office/drawing/2010/main" w="9525">
+                  <a14:hiddenLine xmlns:a14="http://schemas.microsoft.com/office/drawing/2010/main" xmlns="" w="9525">
                     <a:solidFill>
                       <a:srgbClr val="000000"/>
                     </a:solidFill>
@@ -13381,7 +13381,7 @@
               </a:ln>
               <a:extLst>
                 <a:ext uri="{91240B29-F687-4f45-9708-019B960494DF}">
-                  <a14:hiddenLine xmlns="" xmlns:a14="http://schemas.microsoft.com/office/drawing/2010/main" w="9525">
+                  <a14:hiddenLine xmlns:a14="http://schemas.microsoft.com/office/drawing/2010/main" xmlns="" w="9525">
                     <a:solidFill>
                       <a:srgbClr val="000000"/>
                     </a:solidFill>
@@ -13471,7 +13471,7 @@
               </a:ln>
               <a:extLst>
                 <a:ext uri="{91240B29-F687-4f45-9708-019B960494DF}">
-                  <a14:hiddenLine xmlns="" xmlns:a14="http://schemas.microsoft.com/office/drawing/2010/main" w="9525">
+                  <a14:hiddenLine xmlns:a14="http://schemas.microsoft.com/office/drawing/2010/main" xmlns="" w="9525">
                     <a:solidFill>
                       <a:srgbClr val="000000"/>
                     </a:solidFill>
@@ -13536,7 +13536,7 @@
               </a:ln>
               <a:extLst>
                 <a:ext uri="{91240B29-F687-4f45-9708-019B960494DF}">
-                  <a14:hiddenLine xmlns="" xmlns:a14="http://schemas.microsoft.com/office/drawing/2010/main" w="9525">
+                  <a14:hiddenLine xmlns:a14="http://schemas.microsoft.com/office/drawing/2010/main" xmlns="" w="9525">
                     <a:solidFill>
                       <a:srgbClr val="000000"/>
                     </a:solidFill>
@@ -13626,7 +13626,7 @@
               </a:ln>
               <a:extLst>
                 <a:ext uri="{91240B29-F687-4f45-9708-019B960494DF}">
-                  <a14:hiddenLine xmlns="" xmlns:a14="http://schemas.microsoft.com/office/drawing/2010/main" w="9525">
+                  <a14:hiddenLine xmlns:a14="http://schemas.microsoft.com/office/drawing/2010/main" xmlns="" w="9525">
                     <a:solidFill>
                       <a:srgbClr val="000000"/>
                     </a:solidFill>
@@ -13694,7 +13694,7 @@
               </a:ln>
               <a:extLst>
                 <a:ext uri="{91240B29-F687-4f45-9708-019B960494DF}">
-                  <a14:hiddenLine xmlns="" xmlns:a14="http://schemas.microsoft.com/office/drawing/2010/main" w="9525">
+                  <a14:hiddenLine xmlns:a14="http://schemas.microsoft.com/office/drawing/2010/main" xmlns="" w="9525">
                     <a:solidFill>
                       <a:srgbClr val="000000"/>
                     </a:solidFill>
@@ -13784,7 +13784,7 @@
               </a:ln>
               <a:extLst>
                 <a:ext uri="{91240B29-F687-4f45-9708-019B960494DF}">
-                  <a14:hiddenLine xmlns="" xmlns:a14="http://schemas.microsoft.com/office/drawing/2010/main" w="9525">
+                  <a14:hiddenLine xmlns:a14="http://schemas.microsoft.com/office/drawing/2010/main" xmlns="" w="9525">
                     <a:solidFill>
                       <a:srgbClr val="000000"/>
                     </a:solidFill>
@@ -13852,7 +13852,7 @@
               </a:ln>
               <a:extLst>
                 <a:ext uri="{91240B29-F687-4f45-9708-019B960494DF}">
-                  <a14:hiddenLine xmlns="" xmlns:a14="http://schemas.microsoft.com/office/drawing/2010/main" w="9525">
+                  <a14:hiddenLine xmlns:a14="http://schemas.microsoft.com/office/drawing/2010/main" xmlns="" w="9525">
                     <a:solidFill>
                       <a:srgbClr val="000000"/>
                     </a:solidFill>
@@ -13942,7 +13942,7 @@
               </a:ln>
               <a:extLst>
                 <a:ext uri="{91240B29-F687-4f45-9708-019B960494DF}">
-                  <a14:hiddenLine xmlns="" xmlns:a14="http://schemas.microsoft.com/office/drawing/2010/main" w="9525">
+                  <a14:hiddenLine xmlns:a14="http://schemas.microsoft.com/office/drawing/2010/main" xmlns="" w="9525">
                     <a:solidFill>
                       <a:srgbClr val="000000"/>
                     </a:solidFill>
@@ -13976,7 +13976,7 @@
               </a:ln>
               <a:extLst>
                 <a:ext uri="{91240B29-F687-4f45-9708-019B960494DF}">
-                  <a14:hiddenLine xmlns="" xmlns:a14="http://schemas.microsoft.com/office/drawing/2010/main" w="9525">
+                  <a14:hiddenLine xmlns:a14="http://schemas.microsoft.com/office/drawing/2010/main" xmlns="" w="9525">
                     <a:solidFill>
                       <a:srgbClr val="000000"/>
                     </a:solidFill>
@@ -14117,7 +14117,7 @@
             <a:fld id="{B61BEF0D-F0BB-DE4B-95CE-6DB70DBA9567}" type="datetimeFigureOut">
               <a:rPr lang="en-US" smtClean="0"/>
               <a:pPr/>
-              <a:t>11/24/2021</a:t>
+              <a:t>11/24/21</a:t>
             </a:fld>
             <a:endParaRPr lang="en-US" dirty="0"/>
           </a:p>
@@ -15307,7 +15307,7 @@
             </a:pPr>
             <a:r>
               <a:rPr lang="en-US" dirty="0"/>
-              <a:t>Wyatt C -</a:t>
+              <a:t>Wyatt C – Tailwind CSS</a:t>
             </a:r>
           </a:p>
           <a:p>
@@ -15320,7 +15320,15 @@
             </a:pPr>
             <a:r>
               <a:rPr lang="en-US" dirty="0"/>
-              <a:t>Maxwell B - </a:t>
+              <a:t>Maxwell B – </a:t>
+            </a:r>
+            <a:r>
+              <a:rPr lang="en-US" dirty="0" err="1"/>
+              <a:t>TheMealDB</a:t>
+            </a:r>
+            <a:r>
+              <a:rPr lang="en-US" dirty="0"/>
+              <a:t> API</a:t>
             </a:r>
           </a:p>
           <a:p>
@@ -15333,7 +15341,7 @@
             </a:pPr>
             <a:r>
               <a:rPr lang="en-US" dirty="0"/>
-              <a:t>Wesley D - </a:t>
+              <a:t>Wesley D – Drag and Drop API</a:t>
             </a:r>
           </a:p>
           <a:p>
